--- a/스크립트 언어 텀프로젝트 중간발표.pptx
+++ b/스크립트 언어 텀프로젝트 중간발표.pptx
@@ -198,7 +198,7 @@
           <a:p>
             <a:fld id="{6D06EA7A-3516-413E-A89F-105DDB37F379}" type="datetimeFigureOut">
               <a:rPr lang="ko-KR" altLang="en-US" smtClean="0"/>
-              <a:t>2016-05-29</a:t>
+              <a:t>2016-05-30</a:t>
             </a:fld>
             <a:endParaRPr lang="ko-KR" altLang="en-US"/>
           </a:p>
@@ -1175,7 +1175,7 @@
           <a:p>
             <a:fld id="{5B6E5234-A56D-40CC-89A1-13ED9E086532}" type="datetimeFigureOut">
               <a:rPr lang="ko-KR" altLang="en-US" smtClean="0"/>
-              <a:t>2016-05-29</a:t>
+              <a:t>2016-05-30</a:t>
             </a:fld>
             <a:endParaRPr lang="ko-KR" altLang="en-US"/>
           </a:p>
@@ -1371,7 +1371,7 @@
           <a:p>
             <a:fld id="{5B6E5234-A56D-40CC-89A1-13ED9E086532}" type="datetimeFigureOut">
               <a:rPr lang="ko-KR" altLang="en-US" smtClean="0"/>
-              <a:t>2016-05-29</a:t>
+              <a:t>2016-05-30</a:t>
             </a:fld>
             <a:endParaRPr lang="ko-KR" altLang="en-US"/>
           </a:p>
@@ -1556,7 +1556,7 @@
           <a:p>
             <a:fld id="{5B6E5234-A56D-40CC-89A1-13ED9E086532}" type="datetimeFigureOut">
               <a:rPr lang="ko-KR" altLang="en-US" smtClean="0"/>
-              <a:t>2016-05-29</a:t>
+              <a:t>2016-05-30</a:t>
             </a:fld>
             <a:endParaRPr lang="ko-KR" altLang="en-US"/>
           </a:p>
@@ -1706,7 +1706,7 @@
           <a:p>
             <a:fld id="{5B6E5234-A56D-40CC-89A1-13ED9E086532}" type="datetimeFigureOut">
               <a:rPr lang="ko-KR" altLang="en-US" smtClean="0"/>
-              <a:t>2016-05-29</a:t>
+              <a:t>2016-05-30</a:t>
             </a:fld>
             <a:endParaRPr lang="ko-KR" altLang="en-US"/>
           </a:p>
@@ -1961,7 +1961,7 @@
           <a:p>
             <a:fld id="{5B6E5234-A56D-40CC-89A1-13ED9E086532}" type="datetimeFigureOut">
               <a:rPr lang="ko-KR" altLang="en-US" smtClean="0"/>
-              <a:t>2016-05-29</a:t>
+              <a:t>2016-05-30</a:t>
             </a:fld>
             <a:endParaRPr lang="ko-KR" altLang="en-US"/>
           </a:p>
@@ -2370,7 +2370,7 @@
           <a:p>
             <a:fld id="{5B6E5234-A56D-40CC-89A1-13ED9E086532}" type="datetimeFigureOut">
               <a:rPr lang="ko-KR" altLang="en-US" smtClean="0"/>
-              <a:t>2016-05-29</a:t>
+              <a:t>2016-05-30</a:t>
             </a:fld>
             <a:endParaRPr lang="ko-KR" altLang="en-US"/>
           </a:p>
@@ -2816,7 +2816,7 @@
           <a:p>
             <a:fld id="{5B6E5234-A56D-40CC-89A1-13ED9E086532}" type="datetimeFigureOut">
               <a:rPr lang="ko-KR" altLang="en-US" smtClean="0"/>
-              <a:t>2016-05-29</a:t>
+              <a:t>2016-05-30</a:t>
             </a:fld>
             <a:endParaRPr lang="ko-KR" altLang="en-US"/>
           </a:p>
@@ -2917,7 +2917,7 @@
           <a:p>
             <a:fld id="{5B6E5234-A56D-40CC-89A1-13ED9E086532}" type="datetimeFigureOut">
               <a:rPr lang="ko-KR" altLang="en-US" smtClean="0"/>
-              <a:t>2016-05-29</a:t>
+              <a:t>2016-05-30</a:t>
             </a:fld>
             <a:endParaRPr lang="ko-KR" altLang="en-US"/>
           </a:p>
@@ -3038,7 +3038,7 @@
           <a:p>
             <a:fld id="{5B6E5234-A56D-40CC-89A1-13ED9E086532}" type="datetimeFigureOut">
               <a:rPr lang="ko-KR" altLang="en-US" smtClean="0"/>
-              <a:t>2016-05-29</a:t>
+              <a:t>2016-05-30</a:t>
             </a:fld>
             <a:endParaRPr lang="ko-KR" altLang="en-US"/>
           </a:p>
@@ -3312,7 +3312,7 @@
           <a:p>
             <a:fld id="{5B6E5234-A56D-40CC-89A1-13ED9E086532}" type="datetimeFigureOut">
               <a:rPr lang="ko-KR" altLang="en-US" smtClean="0"/>
-              <a:t>2016-05-29</a:t>
+              <a:t>2016-05-30</a:t>
             </a:fld>
             <a:endParaRPr lang="ko-KR" altLang="en-US"/>
           </a:p>
@@ -3517,7 +3517,7 @@
           <a:p>
             <a:fld id="{5B6E5234-A56D-40CC-89A1-13ED9E086532}" type="datetimeFigureOut">
               <a:rPr lang="ko-KR" altLang="en-US" smtClean="0"/>
-              <a:t>2016-05-29</a:t>
+              <a:t>2016-05-30</a:t>
             </a:fld>
             <a:endParaRPr lang="ko-KR" altLang="en-US"/>
           </a:p>
@@ -4626,7 +4626,7 @@
           <a:p>
             <a:fld id="{5B6E5234-A56D-40CC-89A1-13ED9E086532}" type="datetimeFigureOut">
               <a:rPr lang="ko-KR" altLang="en-US" smtClean="0"/>
-              <a:t>2016-05-29</a:t>
+              <a:t>2016-05-30</a:t>
             </a:fld>
             <a:endParaRPr lang="ko-KR" altLang="en-US"/>
           </a:p>
@@ -5132,6 +5132,13 @@
   <p:clrMapOvr>
     <a:masterClrMapping/>
   </p:clrMapOvr>
+  <p:timing>
+    <p:tnLst>
+      <p:par>
+        <p:cTn id="1" dur="indefinite" restart="never" nodeType="tmRoot"/>
+      </p:par>
+    </p:tnLst>
+  </p:timing>
 </p:sld>
 </file>
 
@@ -5392,6 +5399,13 @@
   <p:clrMapOvr>
     <a:masterClrMapping/>
   </p:clrMapOvr>
+  <p:timing>
+    <p:tnLst>
+      <p:par>
+        <p:cTn id="1" dur="indefinite" restart="never" nodeType="tmRoot"/>
+      </p:par>
+    </p:tnLst>
+  </p:timing>
 </p:sld>
 </file>
 
@@ -5975,11 +5989,7 @@
                       </a:r>
                       <a:r>
                         <a:rPr lang="en-US" altLang="ko-KR" sz="1500" dirty="0" smtClean="0"/>
-                        <a:t>( </a:t>
-                      </a:r>
-                      <a:r>
-                        <a:rPr lang="en-US" altLang="ko-KR" sz="1500" dirty="0" smtClean="0"/>
-                        <a:t>100%)</a:t>
+                        <a:t>( 100%)</a:t>
                       </a:r>
                       <a:endParaRPr lang="ko-KR" altLang="en-US" sz="1500" dirty="0"/>
                     </a:p>
@@ -6190,6 +6200,13 @@
   <p:clrMapOvr>
     <a:masterClrMapping/>
   </p:clrMapOvr>
+  <p:timing>
+    <p:tnLst>
+      <p:par>
+        <p:cTn id="1" dur="indefinite" restart="never" nodeType="tmRoot"/>
+      </p:par>
+    </p:tnLst>
+  </p:timing>
 </p:sld>
 </file>
 
@@ -6220,31 +6237,188 @@
             <p:ph type="title"/>
           </p:nvPr>
         </p:nvSpPr>
-        <p:spPr/>
-        <p:txBody>
-          <a:bodyPr/>
+        <p:spPr>
+          <a:xfrm>
+            <a:off x="251520" y="74255"/>
+            <a:ext cx="2865863" cy="834466"/>
+          </a:xfrm>
+        </p:spPr>
+        <p:txBody>
+          <a:bodyPr>
+            <a:normAutofit/>
+          </a:bodyPr>
           <a:lstStyle/>
           <a:p>
             <a:r>
-              <a:rPr lang="ko-KR" altLang="en-US" dirty="0" err="1" smtClean="0"/>
+              <a:rPr lang="ko-KR" altLang="en-US" sz="2500" dirty="0" err="1" smtClean="0"/>
               <a:t>깃허브</a:t>
             </a:r>
             <a:r>
-              <a:rPr lang="ko-KR" altLang="en-US" dirty="0" smtClean="0"/>
+              <a:rPr lang="ko-KR" altLang="en-US" sz="2500" dirty="0" smtClean="0"/>
               <a:t> </a:t>
             </a:r>
             <a:r>
-              <a:rPr lang="ko-KR" altLang="en-US" dirty="0" err="1" smtClean="0"/>
+              <a:rPr lang="ko-KR" altLang="en-US" sz="2500" dirty="0" err="1" smtClean="0"/>
               <a:t>커밋</a:t>
             </a:r>
             <a:r>
-              <a:rPr lang="ko-KR" altLang="en-US" dirty="0" smtClean="0"/>
+              <a:rPr lang="ko-KR" altLang="en-US" sz="2500" dirty="0" smtClean="0"/>
               <a:t> 현황</a:t>
             </a:r>
-            <a:endParaRPr lang="ko-KR" altLang="en-US" dirty="0"/>
-          </a:p>
-        </p:txBody>
-      </p:sp>
+            <a:endParaRPr lang="ko-KR" altLang="en-US" sz="2500" dirty="0"/>
+          </a:p>
+        </p:txBody>
+      </p:sp>
+      <p:pic>
+        <p:nvPicPr>
+          <p:cNvPr id="4" name="그림 3"/>
+          <p:cNvPicPr>
+            <a:picLocks noChangeAspect="1"/>
+          </p:cNvPicPr>
+          <p:nvPr/>
+        </p:nvPicPr>
+        <p:blipFill>
+          <a:blip r:embed="rId2" cstate="print">
+            <a:extLst>
+              <a:ext uri="{28A0092B-C50C-407E-A947-70E740481C1C}">
+                <a14:useLocalDpi xmlns:a14="http://schemas.microsoft.com/office/drawing/2010/main" val="0"/>
+              </a:ext>
+            </a:extLst>
+          </a:blip>
+          <a:stretch>
+            <a:fillRect/>
+          </a:stretch>
+        </p:blipFill>
+        <p:spPr>
+          <a:xfrm>
+            <a:off x="184546" y="4149756"/>
+            <a:ext cx="3018794" cy="2011566"/>
+          </a:xfrm>
+          <a:prstGeom prst="rect">
+            <a:avLst/>
+          </a:prstGeom>
+        </p:spPr>
+      </p:pic>
+      <p:pic>
+        <p:nvPicPr>
+          <p:cNvPr id="5" name="그림 4"/>
+          <p:cNvPicPr>
+            <a:picLocks noChangeAspect="1"/>
+          </p:cNvPicPr>
+          <p:nvPr/>
+        </p:nvPicPr>
+        <p:blipFill>
+          <a:blip r:embed="rId3" cstate="print">
+            <a:extLst>
+              <a:ext uri="{28A0092B-C50C-407E-A947-70E740481C1C}">
+                <a14:useLocalDpi xmlns:a14="http://schemas.microsoft.com/office/drawing/2010/main" val="0"/>
+              </a:ext>
+            </a:extLst>
+          </a:blip>
+          <a:stretch>
+            <a:fillRect/>
+          </a:stretch>
+        </p:blipFill>
+        <p:spPr>
+          <a:xfrm>
+            <a:off x="3205070" y="4566144"/>
+            <a:ext cx="2556284" cy="1953943"/>
+          </a:xfrm>
+          <a:prstGeom prst="rect">
+            <a:avLst/>
+          </a:prstGeom>
+        </p:spPr>
+      </p:pic>
+      <p:pic>
+        <p:nvPicPr>
+          <p:cNvPr id="6" name="그림 5"/>
+          <p:cNvPicPr>
+            <a:picLocks noChangeAspect="1"/>
+          </p:cNvPicPr>
+          <p:nvPr/>
+        </p:nvPicPr>
+        <p:blipFill>
+          <a:blip r:embed="rId4" cstate="print">
+            <a:extLst>
+              <a:ext uri="{28A0092B-C50C-407E-A947-70E740481C1C}">
+                <a14:useLocalDpi xmlns:a14="http://schemas.microsoft.com/office/drawing/2010/main" val="0"/>
+              </a:ext>
+            </a:extLst>
+          </a:blip>
+          <a:stretch>
+            <a:fillRect/>
+          </a:stretch>
+        </p:blipFill>
+        <p:spPr>
+          <a:xfrm>
+            <a:off x="6084168" y="4712282"/>
+            <a:ext cx="2694758" cy="1953943"/>
+          </a:xfrm>
+          <a:prstGeom prst="rect">
+            <a:avLst/>
+          </a:prstGeom>
+        </p:spPr>
+      </p:pic>
+      <p:pic>
+        <p:nvPicPr>
+          <p:cNvPr id="7" name="그림 6"/>
+          <p:cNvPicPr>
+            <a:picLocks noChangeAspect="1"/>
+          </p:cNvPicPr>
+          <p:nvPr/>
+        </p:nvPicPr>
+        <p:blipFill>
+          <a:blip r:embed="rId5">
+            <a:extLst>
+              <a:ext uri="{28A0092B-C50C-407E-A947-70E740481C1C}">
+                <a14:useLocalDpi xmlns:a14="http://schemas.microsoft.com/office/drawing/2010/main" val="0"/>
+              </a:ext>
+            </a:extLst>
+          </a:blip>
+          <a:stretch>
+            <a:fillRect/>
+          </a:stretch>
+        </p:blipFill>
+        <p:spPr>
+          <a:xfrm>
+            <a:off x="3203340" y="504732"/>
+            <a:ext cx="5940660" cy="3889945"/>
+          </a:xfrm>
+          <a:prstGeom prst="rect">
+            <a:avLst/>
+          </a:prstGeom>
+        </p:spPr>
+      </p:pic>
+      <p:pic>
+        <p:nvPicPr>
+          <p:cNvPr id="2" name="그림 1"/>
+          <p:cNvPicPr>
+            <a:picLocks noChangeAspect="1"/>
+          </p:cNvPicPr>
+          <p:nvPr/>
+        </p:nvPicPr>
+        <p:blipFill>
+          <a:blip r:embed="rId6">
+            <a:extLst>
+              <a:ext uri="{28A0092B-C50C-407E-A947-70E740481C1C}">
+                <a14:useLocalDpi xmlns:a14="http://schemas.microsoft.com/office/drawing/2010/main" val="0"/>
+              </a:ext>
+            </a:extLst>
+          </a:blip>
+          <a:stretch>
+            <a:fillRect/>
+          </a:stretch>
+        </p:blipFill>
+        <p:spPr>
+          <a:xfrm>
+            <a:off x="157400" y="1396024"/>
+            <a:ext cx="3018794" cy="2121997"/>
+          </a:xfrm>
+          <a:prstGeom prst="rect">
+            <a:avLst/>
+          </a:prstGeom>
+        </p:spPr>
+      </p:pic>
     </p:spTree>
     <p:extLst>
       <p:ext uri="{BB962C8B-B14F-4D97-AF65-F5344CB8AC3E}">
@@ -6255,6 +6429,13 @@
   <p:clrMapOvr>
     <a:masterClrMapping/>
   </p:clrMapOvr>
+  <p:timing>
+    <p:tnLst>
+      <p:par>
+        <p:cTn id="1" dur="indefinite" restart="never" nodeType="tmRoot"/>
+      </p:par>
+    </p:tnLst>
+  </p:timing>
 </p:sld>
 </file>
 
@@ -6836,6 +7017,13 @@
   <p:clrMapOvr>
     <a:masterClrMapping/>
   </p:clrMapOvr>
+  <p:timing>
+    <p:tnLst>
+      <p:par>
+        <p:cTn id="1" dur="indefinite" restart="never" nodeType="tmRoot"/>
+      </p:par>
+    </p:tnLst>
+  </p:timing>
 </p:sld>
 </file>
 
@@ -7527,6 +7715,13 @@
   <p:clrMapOvr>
     <a:masterClrMapping/>
   </p:clrMapOvr>
+  <p:timing>
+    <p:tnLst>
+      <p:par>
+        <p:cTn id="1" dur="indefinite" restart="never" nodeType="tmRoot"/>
+      </p:par>
+    </p:tnLst>
+  </p:timing>
 </p:sld>
 </file>
 
@@ -7599,6 +7794,13 @@
   <p:clrMapOvr>
     <a:masterClrMapping/>
   </p:clrMapOvr>
+  <p:timing>
+    <p:tnLst>
+      <p:par>
+        <p:cTn id="1" dur="indefinite" restart="never" nodeType="tmRoot"/>
+      </p:par>
+    </p:tnLst>
+  </p:timing>
 </p:sld>
 </file>
 
